--- a/twu/面試/1100504_中華電信_企客分公司_涂宇欣_v2.pptx
+++ b/twu/面試/1100504_中華電信_企客分公司_涂宇欣_v2.pptx
@@ -6216,7 +6216,7 @@
         </p:nvSpPr>
         <p:spPr>
           <a:xfrm>
-            <a:off x="677334" y="1521427"/>
+            <a:off x="741989" y="1305098"/>
             <a:ext cx="8596668" cy="3880773"/>
           </a:xfrm>
         </p:spPr>
@@ -6246,22 +6246,22 @@
               <a:t>(</a:t>
             </a:r>
             <a:r>
-              <a:rPr lang="zh-TW" altLang="zh-TW" sz="2000" dirty="0">
+              <a:rPr lang="zh-TW" altLang="zh-TW" sz="2000" dirty="0" smtClean="0">
                 <a:latin typeface="+mn-ea"/>
               </a:rPr>
               <a:t>國內</a:t>
             </a:r>
             <a:r>
-              <a:rPr lang="zh-TW" altLang="en-US" sz="2000" dirty="0">
+              <a:rPr lang="zh-TW" altLang="en-US" sz="2000" dirty="0" smtClean="0">
                 <a:latin typeface="+mn-ea"/>
               </a:rPr>
               <a:t>外</a:t>
             </a:r>
             <a:r>
-              <a:rPr lang="zh-TW" altLang="zh-TW" sz="2000" dirty="0">
+              <a:rPr lang="zh-TW" altLang="zh-TW" sz="2000" dirty="0" smtClean="0">
                 <a:latin typeface="+mn-ea"/>
               </a:rPr>
-              <a:t>的比較</a:t>
+              <a:t>比較</a:t>
             </a:r>
             <a:r>
               <a:rPr lang="en-US" altLang="zh-TW" sz="2000" dirty="0">
@@ -6287,14 +6287,14 @@
           <p:nvPr>
             <p:extLst>
               <p:ext uri="{D42A27DB-BD31-4B8C-83A1-F6EECF244321}">
-                <p14:modId xmlns:p14="http://schemas.microsoft.com/office/powerpoint/2010/main" val="2919112511"/>
+                <p14:modId xmlns:p14="http://schemas.microsoft.com/office/powerpoint/2010/main" val="1408090277"/>
               </p:ext>
             </p:extLst>
           </p:nvPr>
         </p:nvGraphicFramePr>
         <p:xfrm>
-          <a:off x="1171040" y="1935106"/>
-          <a:ext cx="7898145" cy="2702577"/>
+          <a:off x="1171038" y="1789427"/>
+          <a:ext cx="8370126" cy="2953239"/>
         </p:xfrm>
         <a:graphic>
           <a:graphicData uri="http://schemas.openxmlformats.org/drawingml/2006/table">
@@ -6303,21 +6303,21 @@
                 <a:tableStyleId>{5C22544A-7EE6-4342-B048-85BDC9FD1C3A}</a:tableStyleId>
               </a:tblPr>
               <a:tblGrid>
-                <a:gridCol w="1680225">
+                <a:gridCol w="1780633">
                   <a:extLst>
                     <a:ext uri="{9D8B030D-6E8A-4147-A177-3AD203B41FA5}">
                       <a16:colId xmlns:a16="http://schemas.microsoft.com/office/drawing/2014/main" val="2689540423"/>
                     </a:ext>
                   </a:extLst>
                 </a:gridCol>
-                <a:gridCol w="2908627">
+                <a:gridCol w="3095188">
                   <a:extLst>
                     <a:ext uri="{9D8B030D-6E8A-4147-A177-3AD203B41FA5}">
                       <a16:colId xmlns:a16="http://schemas.microsoft.com/office/drawing/2014/main" val="2966166921"/>
                     </a:ext>
                   </a:extLst>
                 </a:gridCol>
-                <a:gridCol w="3309293">
+                <a:gridCol w="3494305">
                   <a:extLst>
                     <a:ext uri="{9D8B030D-6E8A-4147-A177-3AD203B41FA5}">
                       <a16:colId xmlns:a16="http://schemas.microsoft.com/office/drawing/2014/main" val="4048453478"/>
@@ -6369,9 +6369,7 @@
                       <a:r>
                         <a:rPr lang="en-US" sz="2400" b="1" i="0" u="none" strike="noStrike" dirty="0" smtClean="0">
                           <a:solidFill>
-                            <a:schemeClr val="accent3">
-                              <a:lumMod val="75000"/>
-                            </a:schemeClr>
+                            <a:srgbClr val="00B050"/>
                           </a:solidFill>
                           <a:effectLst/>
                           <a:latin typeface="微軟正黑體" panose="020B0604030504040204" pitchFamily="34" charset="-120"/>
@@ -6382,9 +6380,7 @@
                       <a:r>
                         <a:rPr lang="en-US" altLang="zh-TW" sz="2400" b="1" i="0" u="none" strike="noStrike" dirty="0" smtClean="0">
                           <a:solidFill>
-                            <a:schemeClr val="accent3">
-                              <a:lumMod val="75000"/>
-                            </a:schemeClr>
+                            <a:srgbClr val="00B050"/>
                           </a:solidFill>
                           <a:effectLst/>
                           <a:latin typeface="微軟正黑體" panose="020B0604030504040204" pitchFamily="34" charset="-120"/>
@@ -6394,9 +6390,7 @@
                       </a:r>
                       <a:endParaRPr lang="en-US" sz="2400" b="1" i="0" u="none" strike="noStrike" dirty="0">
                         <a:solidFill>
-                          <a:schemeClr val="accent3">
-                            <a:lumMod val="75000"/>
-                          </a:schemeClr>
+                          <a:srgbClr val="00B050"/>
                         </a:solidFill>
                         <a:effectLst/>
                         <a:latin typeface="微軟正黑體" panose="020B0604030504040204" pitchFamily="34" charset="-120"/>
@@ -6810,7 +6804,29 @@
                           <a:latin typeface="微軟正黑體" panose="020B0604030504040204" pitchFamily="34" charset="-120"/>
                           <a:ea typeface="微軟正黑體" panose="020B0604030504040204" pitchFamily="34" charset="-120"/>
                         </a:rPr>
-                        <a:t>4.</a:t>
+                        <a:t>4</a:t>
+                      </a:r>
+                      <a:r>
+                        <a:rPr lang="en-US" altLang="zh-TW" sz="1800" b="0" i="0" u="none" strike="noStrike" dirty="0" smtClean="0">
+                          <a:solidFill>
+                            <a:srgbClr val="000000"/>
+                          </a:solidFill>
+                          <a:effectLst/>
+                          <a:latin typeface="微軟正黑體" panose="020B0604030504040204" pitchFamily="34" charset="-120"/>
+                          <a:ea typeface="微軟正黑體" panose="020B0604030504040204" pitchFamily="34" charset="-120"/>
+                        </a:rPr>
+                        <a:t>.</a:t>
+                      </a:r>
+                      <a:r>
+                        <a:rPr lang="zh-TW" altLang="en-US" sz="1800" b="0" i="0" u="none" strike="noStrike" dirty="0" smtClean="0">
+                          <a:solidFill>
+                            <a:srgbClr val="000000"/>
+                          </a:solidFill>
+                          <a:effectLst/>
+                          <a:latin typeface="微軟正黑體" panose="020B0604030504040204" pitchFamily="34" charset="-120"/>
+                          <a:ea typeface="+mn-ea"/>
+                        </a:rPr>
+                        <a:t>商品</a:t>
                       </a:r>
                       <a:r>
                         <a:rPr lang="zh-TW" altLang="en-US" sz="1800" b="0" i="0" u="none" strike="noStrike" dirty="0">
@@ -6821,7 +6837,7 @@
                           <a:latin typeface="微軟正黑體" panose="020B0604030504040204" pitchFamily="34" charset="-120"/>
                           <a:ea typeface="微軟正黑體" panose="020B0604030504040204" pitchFamily="34" charset="-120"/>
                         </a:rPr>
-                        <a:t>商品拿</a:t>
+                        <a:t>拿</a:t>
                       </a:r>
                       <a:r>
                         <a:rPr lang="zh-TW" altLang="en-US" sz="1800" b="0" i="0" u="none" strike="noStrike" dirty="0" smtClean="0">
@@ -6832,7 +6848,105 @@
                           <a:latin typeface="微軟正黑體" panose="020B0604030504040204" pitchFamily="34" charset="-120"/>
                           <a:ea typeface="微軟正黑體" panose="020B0604030504040204" pitchFamily="34" charset="-120"/>
                         </a:rPr>
-                        <a:t>了就可直接離開</a:t>
+                        <a:t>了就可直接</a:t>
+                      </a:r>
+                      <a:r>
+                        <a:rPr lang="zh-TW" altLang="en-US" sz="1800" b="0" i="0" u="none" strike="noStrike" dirty="0" smtClean="0">
+                          <a:solidFill>
+                            <a:srgbClr val="000000"/>
+                          </a:solidFill>
+                          <a:effectLst/>
+                          <a:latin typeface="微軟正黑體" panose="020B0604030504040204" pitchFamily="34" charset="-120"/>
+                          <a:ea typeface="微軟正黑體" panose="020B0604030504040204" pitchFamily="34" charset="-120"/>
+                        </a:rPr>
+                        <a:t>離開</a:t>
+                      </a:r>
+                      <a:r>
+                        <a:rPr lang="en-US" altLang="zh-TW" sz="1800" b="0" i="0" u="none" strike="noStrike" dirty="0" smtClean="0">
+                          <a:solidFill>
+                            <a:srgbClr val="000000"/>
+                          </a:solidFill>
+                          <a:effectLst/>
+                          <a:latin typeface="微軟正黑體" panose="020B0604030504040204" pitchFamily="34" charset="-120"/>
+                          <a:ea typeface="微軟正黑體" panose="020B0604030504040204" pitchFamily="34" charset="-120"/>
+                        </a:rPr>
+                        <a:t/>
+                      </a:r>
+                      <a:br>
+                        <a:rPr lang="en-US" altLang="zh-TW" sz="1800" b="0" i="0" u="none" strike="noStrike" dirty="0" smtClean="0">
+                          <a:solidFill>
+                            <a:srgbClr val="000000"/>
+                          </a:solidFill>
+                          <a:effectLst/>
+                          <a:latin typeface="微軟正黑體" panose="020B0604030504040204" pitchFamily="34" charset="-120"/>
+                          <a:ea typeface="微軟正黑體" panose="020B0604030504040204" pitchFamily="34" charset="-120"/>
+                        </a:rPr>
+                      </a:br>
+                      <a:r>
+                        <a:rPr lang="zh-TW" altLang="en-US" sz="1800" b="0" i="0" u="none" strike="noStrike" smtClean="0">
+                          <a:solidFill>
+                            <a:srgbClr val="000000"/>
+                          </a:solidFill>
+                          <a:effectLst/>
+                          <a:latin typeface="微軟正黑體" panose="020B0604030504040204" pitchFamily="34" charset="-120"/>
+                          <a:ea typeface="微軟正黑體" panose="020B0604030504040204" pitchFamily="34" charset="-120"/>
+                        </a:rPr>
+                        <a:t>   </a:t>
+                      </a:r>
+                      <a:r>
+                        <a:rPr lang="en-US" altLang="zh-TW" sz="1800" b="0" i="0" u="none" strike="noStrike" smtClean="0">
+                          <a:solidFill>
+                            <a:srgbClr val="000000"/>
+                          </a:solidFill>
+                          <a:effectLst/>
+                          <a:latin typeface="微軟正黑體" panose="020B0604030504040204" pitchFamily="34" charset="-120"/>
+                          <a:ea typeface="微軟正黑體" panose="020B0604030504040204" pitchFamily="34" charset="-120"/>
+                        </a:rPr>
+                        <a:t>(</a:t>
+                      </a:r>
+                      <a:r>
+                        <a:rPr lang="zh-TW" altLang="en-US" sz="1800" b="0" i="0" u="none" strike="noStrike" dirty="0" smtClean="0">
+                          <a:solidFill>
+                            <a:srgbClr val="000000"/>
+                          </a:solidFill>
+                          <a:effectLst/>
+                          <a:latin typeface="微軟正黑體" panose="020B0604030504040204" pitchFamily="34" charset="-120"/>
+                          <a:ea typeface="+mn-ea"/>
+                        </a:rPr>
+                        <a:t>重量感應</a:t>
+                      </a:r>
+                      <a:r>
+                        <a:rPr lang="en-US" altLang="zh-TW" sz="1800" b="0" i="0" u="none" strike="noStrike" dirty="0" smtClean="0">
+                          <a:solidFill>
+                            <a:srgbClr val="000000"/>
+                          </a:solidFill>
+                          <a:effectLst/>
+                          <a:latin typeface="微軟正黑體" panose="020B0604030504040204" pitchFamily="34" charset="-120"/>
+                          <a:ea typeface="+mn-ea"/>
+                        </a:rPr>
+                        <a:t>+</a:t>
+                      </a:r>
+                      <a:r>
+                        <a:rPr lang="zh-TW" altLang="en-US" sz="1800" b="0" i="0" u="none" strike="noStrike" dirty="0" smtClean="0">
+                          <a:solidFill>
+                            <a:srgbClr val="000000"/>
+                          </a:solidFill>
+                          <a:effectLst/>
+                          <a:latin typeface="微軟正黑體" panose="020B0604030504040204" pitchFamily="34" charset="-120"/>
+                          <a:ea typeface="+mn-ea"/>
+                        </a:rPr>
+                        <a:t>影像辨識</a:t>
+                      </a:r>
+                      <a:r>
+                        <a:rPr lang="en-US" altLang="zh-TW" sz="1800" b="0" i="0" u="none" strike="noStrike" dirty="0" smtClean="0">
+                          <a:solidFill>
+                            <a:srgbClr val="000000"/>
+                          </a:solidFill>
+                          <a:effectLst/>
+                          <a:latin typeface="微軟正黑體" panose="020B0604030504040204" pitchFamily="34" charset="-120"/>
+                          <a:ea typeface="微軟正黑體" panose="020B0604030504040204" pitchFamily="34" charset="-120"/>
+                        </a:rPr>
+                        <a:t>)</a:t>
                       </a:r>
                       <a:endParaRPr lang="zh-TW" altLang="en-US" sz="1800" b="0" i="0" u="none" strike="noStrike" dirty="0">
                         <a:solidFill>
@@ -7090,7 +7204,7 @@
         </p:blipFill>
         <p:spPr>
           <a:xfrm>
-            <a:off x="5879185" y="4751118"/>
+            <a:off x="6136292" y="4935071"/>
             <a:ext cx="3013932" cy="1922929"/>
           </a:xfrm>
           <a:prstGeom prst="rect">
@@ -7120,7 +7234,7 @@
         </p:blipFill>
         <p:spPr>
           <a:xfrm>
-            <a:off x="2556284" y="4751118"/>
+            <a:off x="2639411" y="4914124"/>
             <a:ext cx="3208024" cy="1934489"/>
           </a:xfrm>
           <a:prstGeom prst="rect">
@@ -7347,10 +7461,16 @@
               <a:t>洗錢防制</a:t>
             </a:r>
             <a:r>
+              <a:rPr lang="zh-TW" altLang="en-US" sz="2000" dirty="0" smtClean="0">
+                <a:latin typeface="+mn-ea"/>
+              </a:rPr>
+              <a:t>報告轉</a:t>
+            </a:r>
+            <a:r>
               <a:rPr lang="zh-TW" altLang="en-US" sz="2000" dirty="0">
                 <a:latin typeface="+mn-ea"/>
               </a:rPr>
-              <a:t>報告的轉檔</a:t>
+              <a:t>檔</a:t>
             </a:r>
             <a:r>
               <a:rPr lang="zh-TW" altLang="en-US" sz="2000" dirty="0" smtClean="0">
@@ -7763,53 +7883,53 @@
         </p:nvSpPr>
         <p:spPr>
           <a:xfrm>
-            <a:off x="677334" y="1596045"/>
-            <a:ext cx="8596668" cy="4445318"/>
+            <a:off x="563419" y="1321724"/>
+            <a:ext cx="9582078" cy="5309985"/>
           </a:xfrm>
         </p:spPr>
         <p:txBody>
           <a:bodyPr>
-            <a:normAutofit fontScale="92500" lnSpcReduction="20000"/>
+            <a:normAutofit/>
           </a:bodyPr>
           <a:lstStyle/>
           <a:p>
             <a:r>
-              <a:rPr lang="zh-TW" altLang="en-US" sz="1900" dirty="0" smtClean="0">
+              <a:rPr lang="zh-TW" altLang="en-US" sz="2000" dirty="0" smtClean="0">
                 <a:latin typeface="+mn-ea"/>
               </a:rPr>
-              <a:t>目前</a:t>
-            </a:r>
-            <a:r>
-              <a:rPr lang="zh-TW" altLang="en-US" sz="1900" dirty="0">
+              <a:t>目前於</a:t>
+            </a:r>
+            <a:r>
+              <a:rPr lang="zh-TW" altLang="en-US" sz="2000" dirty="0">
                 <a:latin typeface="+mn-ea"/>
               </a:rPr>
-              <a:t>於現職公司進行大型主機</a:t>
-            </a:r>
-            <a:r>
-              <a:rPr lang="en-US" altLang="zh-TW" sz="1900" dirty="0">
+              <a:t>現職公司進行大型主機</a:t>
+            </a:r>
+            <a:r>
+              <a:rPr lang="en-US" altLang="zh-TW" sz="2000" dirty="0">
                 <a:latin typeface="+mn-ea"/>
               </a:rPr>
               <a:t>AS400</a:t>
             </a:r>
             <a:r>
-              <a:rPr lang="zh-TW" altLang="en-US" sz="1900" dirty="0">
+              <a:rPr lang="zh-TW" altLang="en-US" sz="2000" dirty="0">
                 <a:latin typeface="+mn-ea"/>
               </a:rPr>
               <a:t>轉換至網頁系統的專案</a:t>
             </a:r>
             <a:r>
-              <a:rPr lang="zh-TW" altLang="en-US" sz="1900" dirty="0" smtClean="0">
+              <a:rPr lang="zh-TW" altLang="en-US" sz="2000" dirty="0" smtClean="0">
                 <a:latin typeface="+mn-ea"/>
               </a:rPr>
               <a:t>。</a:t>
             </a:r>
-            <a:endParaRPr lang="en-US" altLang="zh-TW" sz="1900" dirty="0" smtClean="0">
+            <a:endParaRPr lang="en-US" altLang="zh-TW" sz="2000" dirty="0" smtClean="0">
               <a:latin typeface="+mn-ea"/>
             </a:endParaRPr>
           </a:p>
           <a:p>
             <a:r>
-              <a:rPr lang="zh-TW" altLang="en-US" sz="1900" dirty="0" smtClean="0">
+              <a:rPr lang="zh-TW" altLang="en-US" sz="2000" dirty="0" smtClean="0">
                 <a:solidFill>
                   <a:srgbClr val="FF0000"/>
                 </a:solidFill>
@@ -7818,7 +7938,7 @@
               <a:t>轉換</a:t>
             </a:r>
             <a:r>
-              <a:rPr lang="zh-TW" altLang="en-US" sz="1900" dirty="0">
+              <a:rPr lang="zh-TW" altLang="en-US" sz="2000" dirty="0">
                 <a:solidFill>
                   <a:srgbClr val="FF0000"/>
                 </a:solidFill>
@@ -7842,7 +7962,19 @@
               <a:rPr lang="zh-TW" altLang="en-US" dirty="0">
                 <a:latin typeface="+mn-ea"/>
               </a:rPr>
-              <a:t>老舊硬體已不</a:t>
+              <a:t>老</a:t>
+            </a:r>
+            <a:r>
+              <a:rPr lang="zh-TW" altLang="en-US" dirty="0" smtClean="0">
+                <a:latin typeface="+mn-ea"/>
+              </a:rPr>
+              <a:t>舊，硬體</a:t>
+            </a:r>
+            <a:r>
+              <a:rPr lang="zh-TW" altLang="en-US" dirty="0">
+                <a:latin typeface="+mn-ea"/>
+              </a:rPr>
+              <a:t>已不</a:t>
             </a:r>
             <a:r>
               <a:rPr lang="zh-TW" altLang="en-US" dirty="0" smtClean="0">
@@ -7860,22 +7992,40 @@
               <a:buAutoNum type="arabicPeriod"/>
             </a:pPr>
             <a:r>
+              <a:rPr lang="zh-TW" altLang="en-US" dirty="0" smtClean="0">
+                <a:latin typeface="+mn-ea"/>
+              </a:rPr>
+              <a:t>會</a:t>
+            </a:r>
+            <a:r>
+              <a:rPr lang="en-US" altLang="zh-TW" dirty="0" smtClean="0">
+                <a:latin typeface="+mn-ea"/>
+              </a:rPr>
+              <a:t>AS400</a:t>
+            </a:r>
+            <a:r>
+              <a:rPr lang="zh-TW" altLang="en-US" dirty="0" smtClean="0">
+                <a:latin typeface="+mn-ea"/>
+              </a:rPr>
+              <a:t>的</a:t>
+            </a:r>
+            <a:r>
+              <a:rPr lang="zh-TW" altLang="en-US" dirty="0" smtClean="0">
+                <a:latin typeface="+mn-ea"/>
+              </a:rPr>
+              <a:t>專業人員</a:t>
+            </a:r>
+            <a:r>
               <a:rPr lang="zh-TW" altLang="en-US" dirty="0">
                 <a:latin typeface="+mn-ea"/>
               </a:rPr>
-              <a:t>會</a:t>
-            </a:r>
-            <a:r>
-              <a:rPr lang="en-US" altLang="zh-TW" dirty="0" smtClean="0">
-                <a:latin typeface="+mn-ea"/>
-              </a:rPr>
-              <a:t>AS400</a:t>
+              <a:t>日益減少</a:t>
             </a:r>
             <a:r>
               <a:rPr lang="zh-TW" altLang="en-US" dirty="0" smtClean="0">
                 <a:latin typeface="+mn-ea"/>
               </a:rPr>
-              <a:t>的專業人員缺少。</a:t>
+              <a:t>。</a:t>
             </a:r>
             <a:endParaRPr lang="zh-TW" altLang="en-US" dirty="0">
               <a:latin typeface="+mn-ea"/>
@@ -7925,7 +8075,7 @@
           </a:p>
           <a:p>
             <a:r>
-              <a:rPr lang="zh-TW" altLang="en-US" sz="1900" dirty="0">
+              <a:rPr lang="zh-TW" altLang="en-US" sz="2000" dirty="0">
                 <a:solidFill>
                   <a:srgbClr val="FF0000"/>
                 </a:solidFill>
@@ -7963,13 +8113,19 @@
               <a:rPr lang="zh-TW" altLang="en-US" dirty="0">
                 <a:latin typeface="+mn-ea"/>
               </a:rPr>
-              <a:t>業務承辦人員只會使用</a:t>
+              <a:t>業務承辦人員只會</a:t>
             </a:r>
             <a:r>
               <a:rPr lang="zh-TW" altLang="en-US" dirty="0" smtClean="0">
                 <a:latin typeface="+mn-ea"/>
               </a:rPr>
-              <a:t>不懂邏輯。</a:t>
+              <a:t>使用但不</a:t>
+            </a:r>
+            <a:r>
+              <a:rPr lang="zh-TW" altLang="en-US" dirty="0" smtClean="0">
+                <a:latin typeface="+mn-ea"/>
+              </a:rPr>
+              <a:t>懂邏輯。</a:t>
             </a:r>
             <a:endParaRPr lang="zh-TW" altLang="en-US" dirty="0">
               <a:latin typeface="+mn-ea"/>
@@ -7978,7 +8134,7 @@
           <a:p>
             <a:pPr marL="342900" lvl="1" indent="-342900"/>
             <a:r>
-              <a:rPr lang="zh-TW" altLang="en-US" sz="1900" dirty="0" smtClean="0">
+              <a:rPr lang="zh-TW" altLang="en-US" sz="2000" dirty="0" smtClean="0">
                 <a:solidFill>
                   <a:srgbClr val="FF0000"/>
                 </a:solidFill>
@@ -7986,7 +8142,7 @@
               <a:t>現行</a:t>
             </a:r>
             <a:r>
-              <a:rPr lang="zh-TW" altLang="en-US" sz="1900" dirty="0">
+              <a:rPr lang="zh-TW" altLang="en-US" sz="2000" dirty="0">
                 <a:solidFill>
                   <a:srgbClr val="FF0000"/>
                 </a:solidFill>
@@ -8090,7 +8246,7 @@
         </p:blipFill>
         <p:spPr>
           <a:xfrm>
-            <a:off x="4755615" y="2685132"/>
+            <a:off x="5088124" y="3181892"/>
             <a:ext cx="5389882" cy="3449817"/>
           </a:xfrm>
           <a:prstGeom prst="rect">
@@ -8288,7 +8444,7 @@
         </p:blipFill>
         <p:spPr>
           <a:xfrm>
-            <a:off x="1947510" y="3522039"/>
+            <a:off x="3217686" y="3549748"/>
             <a:ext cx="6056316" cy="3200967"/>
           </a:xfrm>
           <a:prstGeom prst="rect">

--- a/twu/面試/1100504_中華電信_企客分公司_涂宇欣_v2.pptx
+++ b/twu/面試/1100504_中華電信_企客分公司_涂宇欣_v2.pptx
@@ -865,7 +865,7 @@
             <a:fld id="{B61BEF0D-F0BB-DE4B-95CE-6DB70DBA9567}" type="datetimeFigureOut">
               <a:rPr lang="en-US" dirty="0"/>
               <a:pPr/>
-              <a:t>4/20/2021</a:t>
+              <a:t>4/21/2021</a:t>
             </a:fld>
             <a:endParaRPr lang="en-US" dirty="0"/>
           </a:p>
@@ -1113,7 +1113,7 @@
             <a:fld id="{B61BEF0D-F0BB-DE4B-95CE-6DB70DBA9567}" type="datetimeFigureOut">
               <a:rPr lang="en-US" dirty="0"/>
               <a:pPr/>
-              <a:t>4/20/2021</a:t>
+              <a:t>4/21/2021</a:t>
             </a:fld>
             <a:endParaRPr lang="en-US" dirty="0"/>
           </a:p>
@@ -1424,7 +1424,7 @@
             <a:fld id="{B61BEF0D-F0BB-DE4B-95CE-6DB70DBA9567}" type="datetimeFigureOut">
               <a:rPr lang="en-US" dirty="0"/>
               <a:pPr/>
-              <a:t>4/20/2021</a:t>
+              <a:t>4/21/2021</a:t>
             </a:fld>
             <a:endParaRPr lang="en-US" dirty="0"/>
           </a:p>
@@ -1754,7 +1754,7 @@
             <a:fld id="{B61BEF0D-F0BB-DE4B-95CE-6DB70DBA9567}" type="datetimeFigureOut">
               <a:rPr lang="en-US" dirty="0"/>
               <a:pPr/>
-              <a:t>4/20/2021</a:t>
+              <a:t>4/21/2021</a:t>
             </a:fld>
             <a:endParaRPr lang="en-US" dirty="0"/>
           </a:p>
@@ -2065,7 +2065,7 @@
             <a:fld id="{B61BEF0D-F0BB-DE4B-95CE-6DB70DBA9567}" type="datetimeFigureOut">
               <a:rPr lang="en-US" dirty="0"/>
               <a:pPr/>
-              <a:t>4/20/2021</a:t>
+              <a:t>4/21/2021</a:t>
             </a:fld>
             <a:endParaRPr lang="en-US" dirty="0"/>
           </a:p>
@@ -2455,7 +2455,7 @@
             <a:fld id="{B61BEF0D-F0BB-DE4B-95CE-6DB70DBA9567}" type="datetimeFigureOut">
               <a:rPr lang="en-US" dirty="0"/>
               <a:pPr/>
-              <a:t>4/20/2021</a:t>
+              <a:t>4/21/2021</a:t>
             </a:fld>
             <a:endParaRPr lang="en-US" dirty="0"/>
           </a:p>
@@ -2621,7 +2621,7 @@
           <a:p>
             <a:fld id="{55C6B4A9-1611-4792-9094-5F34BCA07E0B}" type="datetimeFigureOut">
               <a:rPr lang="en-US" dirty="0"/>
-              <a:t>4/20/2021</a:t>
+              <a:t>4/21/2021</a:t>
             </a:fld>
             <a:endParaRPr lang="en-US" dirty="0"/>
           </a:p>
@@ -2797,7 +2797,7 @@
             <a:fld id="{B61BEF0D-F0BB-DE4B-95CE-6DB70DBA9567}" type="datetimeFigureOut">
               <a:rPr lang="en-US" dirty="0"/>
               <a:pPr/>
-              <a:t>4/20/2021</a:t>
+              <a:t>4/21/2021</a:t>
             </a:fld>
             <a:endParaRPr lang="en-US" dirty="0"/>
           </a:p>
@@ -2963,7 +2963,7 @@
           <a:p>
             <a:fld id="{42A54C80-263E-416B-A8E0-580EDEADCBDC}" type="datetimeFigureOut">
               <a:rPr lang="en-US" dirty="0"/>
-              <a:t>4/20/2021</a:t>
+              <a:t>4/21/2021</a:t>
             </a:fld>
             <a:endParaRPr lang="en-US" dirty="0"/>
           </a:p>
@@ -3206,7 +3206,7 @@
             <a:fld id="{B61BEF0D-F0BB-DE4B-95CE-6DB70DBA9567}" type="datetimeFigureOut">
               <a:rPr lang="en-US" dirty="0"/>
               <a:pPr/>
-              <a:t>4/20/2021</a:t>
+              <a:t>4/21/2021</a:t>
             </a:fld>
             <a:endParaRPr lang="en-US" dirty="0"/>
           </a:p>
@@ -3434,7 +3434,7 @@
           <a:p>
             <a:fld id="{42A54C80-263E-416B-A8E0-580EDEADCBDC}" type="datetimeFigureOut">
               <a:rPr lang="en-US" dirty="0"/>
-              <a:t>4/20/2021</a:t>
+              <a:t>4/21/2021</a:t>
             </a:fld>
             <a:endParaRPr lang="en-US" dirty="0"/>
           </a:p>
@@ -3804,7 +3804,7 @@
             <a:fld id="{B61BEF0D-F0BB-DE4B-95CE-6DB70DBA9567}" type="datetimeFigureOut">
               <a:rPr lang="en-US" dirty="0"/>
               <a:pPr/>
-              <a:t>4/20/2021</a:t>
+              <a:t>4/21/2021</a:t>
             </a:fld>
             <a:endParaRPr lang="en-US" dirty="0"/>
           </a:p>
@@ -3924,7 +3924,7 @@
             <a:fld id="{B61BEF0D-F0BB-DE4B-95CE-6DB70DBA9567}" type="datetimeFigureOut">
               <a:rPr lang="en-US" dirty="0"/>
               <a:pPr/>
-              <a:t>4/20/2021</a:t>
+              <a:t>4/21/2021</a:t>
             </a:fld>
             <a:endParaRPr lang="en-US" dirty="0"/>
           </a:p>
@@ -4016,7 +4016,7 @@
             <a:fld id="{B61BEF0D-F0BB-DE4B-95CE-6DB70DBA9567}" type="datetimeFigureOut">
               <a:rPr lang="en-US" dirty="0"/>
               <a:pPr/>
-              <a:t>4/20/2021</a:t>
+              <a:t>4/21/2021</a:t>
             </a:fld>
             <a:endParaRPr lang="en-US" dirty="0"/>
           </a:p>
@@ -4267,7 +4267,7 @@
           <a:p>
             <a:fld id="{42A54C80-263E-416B-A8E0-580EDEADCBDC}" type="datetimeFigureOut">
               <a:rPr lang="en-US" dirty="0"/>
-              <a:t>4/20/2021</a:t>
+              <a:t>4/21/2021</a:t>
             </a:fld>
             <a:endParaRPr lang="en-US" dirty="0"/>
           </a:p>
@@ -4569,7 +4569,7 @@
             <a:fld id="{B61BEF0D-F0BB-DE4B-95CE-6DB70DBA9567}" type="datetimeFigureOut">
               <a:rPr lang="en-US" dirty="0"/>
               <a:pPr/>
-              <a:t>4/20/2021</a:t>
+              <a:t>4/21/2021</a:t>
             </a:fld>
             <a:endParaRPr lang="en-US" dirty="0"/>
           </a:p>
@@ -5267,7 +5267,7 @@
             <a:fld id="{B61BEF0D-F0BB-DE4B-95CE-6DB70DBA9567}" type="datetimeFigureOut">
               <a:rPr lang="en-US" dirty="0"/>
               <a:pPr/>
-              <a:t>4/20/2021</a:t>
+              <a:t>4/21/2021</a:t>
             </a:fld>
             <a:endParaRPr lang="en-US" dirty="0"/>
           </a:p>
@@ -6216,7 +6216,7 @@
         </p:nvSpPr>
         <p:spPr>
           <a:xfrm>
-            <a:off x="741989" y="1305098"/>
+            <a:off x="677334" y="1521427"/>
             <a:ext cx="8596668" cy="3880773"/>
           </a:xfrm>
         </p:spPr>
@@ -6246,22 +6246,22 @@
               <a:t>(</a:t>
             </a:r>
             <a:r>
-              <a:rPr lang="zh-TW" altLang="zh-TW" sz="2000" dirty="0" smtClean="0">
+              <a:rPr lang="zh-TW" altLang="zh-TW" sz="2000" dirty="0">
                 <a:latin typeface="+mn-ea"/>
               </a:rPr>
               <a:t>國內</a:t>
             </a:r>
             <a:r>
-              <a:rPr lang="zh-TW" altLang="en-US" sz="2000" dirty="0" smtClean="0">
+              <a:rPr lang="zh-TW" altLang="en-US" sz="2000" dirty="0">
                 <a:latin typeface="+mn-ea"/>
               </a:rPr>
               <a:t>外</a:t>
             </a:r>
             <a:r>
-              <a:rPr lang="zh-TW" altLang="zh-TW" sz="2000" dirty="0" smtClean="0">
+              <a:rPr lang="zh-TW" altLang="zh-TW" sz="2000" dirty="0">
                 <a:latin typeface="+mn-ea"/>
               </a:rPr>
-              <a:t>比較</a:t>
+              <a:t>的比較</a:t>
             </a:r>
             <a:r>
               <a:rPr lang="en-US" altLang="zh-TW" sz="2000" dirty="0">
@@ -6287,14 +6287,14 @@
           <p:nvPr>
             <p:extLst>
               <p:ext uri="{D42A27DB-BD31-4B8C-83A1-F6EECF244321}">
-                <p14:modId xmlns:p14="http://schemas.microsoft.com/office/powerpoint/2010/main" val="1408090277"/>
+                <p14:modId xmlns:p14="http://schemas.microsoft.com/office/powerpoint/2010/main" val="2919112511"/>
               </p:ext>
             </p:extLst>
           </p:nvPr>
         </p:nvGraphicFramePr>
         <p:xfrm>
-          <a:off x="1171038" y="1789427"/>
-          <a:ext cx="8370126" cy="2953239"/>
+          <a:off x="1171040" y="1935106"/>
+          <a:ext cx="7898145" cy="2702577"/>
         </p:xfrm>
         <a:graphic>
           <a:graphicData uri="http://schemas.openxmlformats.org/drawingml/2006/table">
@@ -6303,21 +6303,21 @@
                 <a:tableStyleId>{5C22544A-7EE6-4342-B048-85BDC9FD1C3A}</a:tableStyleId>
               </a:tblPr>
               <a:tblGrid>
-                <a:gridCol w="1780633">
+                <a:gridCol w="1680225">
                   <a:extLst>
                     <a:ext uri="{9D8B030D-6E8A-4147-A177-3AD203B41FA5}">
                       <a16:colId xmlns:a16="http://schemas.microsoft.com/office/drawing/2014/main" val="2689540423"/>
                     </a:ext>
                   </a:extLst>
                 </a:gridCol>
-                <a:gridCol w="3095188">
+                <a:gridCol w="2908627">
                   <a:extLst>
                     <a:ext uri="{9D8B030D-6E8A-4147-A177-3AD203B41FA5}">
                       <a16:colId xmlns:a16="http://schemas.microsoft.com/office/drawing/2014/main" val="2966166921"/>
                     </a:ext>
                   </a:extLst>
                 </a:gridCol>
-                <a:gridCol w="3494305">
+                <a:gridCol w="3309293">
                   <a:extLst>
                     <a:ext uri="{9D8B030D-6E8A-4147-A177-3AD203B41FA5}">
                       <a16:colId xmlns:a16="http://schemas.microsoft.com/office/drawing/2014/main" val="4048453478"/>
@@ -6369,7 +6369,9 @@
                       <a:r>
                         <a:rPr lang="en-US" sz="2400" b="1" i="0" u="none" strike="noStrike" dirty="0" smtClean="0">
                           <a:solidFill>
-                            <a:srgbClr val="00B050"/>
+                            <a:schemeClr val="accent3">
+                              <a:lumMod val="75000"/>
+                            </a:schemeClr>
                           </a:solidFill>
                           <a:effectLst/>
                           <a:latin typeface="微軟正黑體" panose="020B0604030504040204" pitchFamily="34" charset="-120"/>
@@ -6380,7 +6382,9 @@
                       <a:r>
                         <a:rPr lang="en-US" altLang="zh-TW" sz="2400" b="1" i="0" u="none" strike="noStrike" dirty="0" smtClean="0">
                           <a:solidFill>
-                            <a:srgbClr val="00B050"/>
+                            <a:schemeClr val="accent3">
+                              <a:lumMod val="75000"/>
+                            </a:schemeClr>
                           </a:solidFill>
                           <a:effectLst/>
                           <a:latin typeface="微軟正黑體" panose="020B0604030504040204" pitchFamily="34" charset="-120"/>
@@ -6390,7 +6394,9 @@
                       </a:r>
                       <a:endParaRPr lang="en-US" sz="2400" b="1" i="0" u="none" strike="noStrike" dirty="0">
                         <a:solidFill>
-                          <a:srgbClr val="00B050"/>
+                          <a:schemeClr val="accent3">
+                            <a:lumMod val="75000"/>
+                          </a:schemeClr>
                         </a:solidFill>
                         <a:effectLst/>
                         <a:latin typeface="微軟正黑體" panose="020B0604030504040204" pitchFamily="34" charset="-120"/>
@@ -6804,29 +6810,7 @@
                           <a:latin typeface="微軟正黑體" panose="020B0604030504040204" pitchFamily="34" charset="-120"/>
                           <a:ea typeface="微軟正黑體" panose="020B0604030504040204" pitchFamily="34" charset="-120"/>
                         </a:rPr>
-                        <a:t>4</a:t>
-                      </a:r>
-                      <a:r>
-                        <a:rPr lang="en-US" altLang="zh-TW" sz="1800" b="0" i="0" u="none" strike="noStrike" dirty="0" smtClean="0">
-                          <a:solidFill>
-                            <a:srgbClr val="000000"/>
-                          </a:solidFill>
-                          <a:effectLst/>
-                          <a:latin typeface="微軟正黑體" panose="020B0604030504040204" pitchFamily="34" charset="-120"/>
-                          <a:ea typeface="微軟正黑體" panose="020B0604030504040204" pitchFamily="34" charset="-120"/>
-                        </a:rPr>
-                        <a:t>.</a:t>
-                      </a:r>
-                      <a:r>
-                        <a:rPr lang="zh-TW" altLang="en-US" sz="1800" b="0" i="0" u="none" strike="noStrike" dirty="0" smtClean="0">
-                          <a:solidFill>
-                            <a:srgbClr val="000000"/>
-                          </a:solidFill>
-                          <a:effectLst/>
-                          <a:latin typeface="微軟正黑體" panose="020B0604030504040204" pitchFamily="34" charset="-120"/>
-                          <a:ea typeface="+mn-ea"/>
-                        </a:rPr>
-                        <a:t>商品</a:t>
+                        <a:t>4.</a:t>
                       </a:r>
                       <a:r>
                         <a:rPr lang="zh-TW" altLang="en-US" sz="1800" b="0" i="0" u="none" strike="noStrike" dirty="0">
@@ -6837,7 +6821,7 @@
                           <a:latin typeface="微軟正黑體" panose="020B0604030504040204" pitchFamily="34" charset="-120"/>
                           <a:ea typeface="微軟正黑體" panose="020B0604030504040204" pitchFamily="34" charset="-120"/>
                         </a:rPr>
-                        <a:t>拿</a:t>
+                        <a:t>商品拿</a:t>
                       </a:r>
                       <a:r>
                         <a:rPr lang="zh-TW" altLang="en-US" sz="1800" b="0" i="0" u="none" strike="noStrike" dirty="0" smtClean="0">
@@ -6848,105 +6832,7 @@
                           <a:latin typeface="微軟正黑體" panose="020B0604030504040204" pitchFamily="34" charset="-120"/>
                           <a:ea typeface="微軟正黑體" panose="020B0604030504040204" pitchFamily="34" charset="-120"/>
                         </a:rPr>
-                        <a:t>了就可直接</a:t>
-                      </a:r>
-                      <a:r>
-                        <a:rPr lang="zh-TW" altLang="en-US" sz="1800" b="0" i="0" u="none" strike="noStrike" dirty="0" smtClean="0">
-                          <a:solidFill>
-                            <a:srgbClr val="000000"/>
-                          </a:solidFill>
-                          <a:effectLst/>
-                          <a:latin typeface="微軟正黑體" panose="020B0604030504040204" pitchFamily="34" charset="-120"/>
-                          <a:ea typeface="微軟正黑體" panose="020B0604030504040204" pitchFamily="34" charset="-120"/>
-                        </a:rPr>
-                        <a:t>離開</a:t>
-                      </a:r>
-                      <a:r>
-                        <a:rPr lang="en-US" altLang="zh-TW" sz="1800" b="0" i="0" u="none" strike="noStrike" dirty="0" smtClean="0">
-                          <a:solidFill>
-                            <a:srgbClr val="000000"/>
-                          </a:solidFill>
-                          <a:effectLst/>
-                          <a:latin typeface="微軟正黑體" panose="020B0604030504040204" pitchFamily="34" charset="-120"/>
-                          <a:ea typeface="微軟正黑體" panose="020B0604030504040204" pitchFamily="34" charset="-120"/>
-                        </a:rPr>
-                        <a:t/>
-                      </a:r>
-                      <a:br>
-                        <a:rPr lang="en-US" altLang="zh-TW" sz="1800" b="0" i="0" u="none" strike="noStrike" dirty="0" smtClean="0">
-                          <a:solidFill>
-                            <a:srgbClr val="000000"/>
-                          </a:solidFill>
-                          <a:effectLst/>
-                          <a:latin typeface="微軟正黑體" panose="020B0604030504040204" pitchFamily="34" charset="-120"/>
-                          <a:ea typeface="微軟正黑體" panose="020B0604030504040204" pitchFamily="34" charset="-120"/>
-                        </a:rPr>
-                      </a:br>
-                      <a:r>
-                        <a:rPr lang="zh-TW" altLang="en-US" sz="1800" b="0" i="0" u="none" strike="noStrike" smtClean="0">
-                          <a:solidFill>
-                            <a:srgbClr val="000000"/>
-                          </a:solidFill>
-                          <a:effectLst/>
-                          <a:latin typeface="微軟正黑體" panose="020B0604030504040204" pitchFamily="34" charset="-120"/>
-                          <a:ea typeface="微軟正黑體" panose="020B0604030504040204" pitchFamily="34" charset="-120"/>
-                        </a:rPr>
-                        <a:t>   </a:t>
-                      </a:r>
-                      <a:r>
-                        <a:rPr lang="en-US" altLang="zh-TW" sz="1800" b="0" i="0" u="none" strike="noStrike" smtClean="0">
-                          <a:solidFill>
-                            <a:srgbClr val="000000"/>
-                          </a:solidFill>
-                          <a:effectLst/>
-                          <a:latin typeface="微軟正黑體" panose="020B0604030504040204" pitchFamily="34" charset="-120"/>
-                          <a:ea typeface="微軟正黑體" panose="020B0604030504040204" pitchFamily="34" charset="-120"/>
-                        </a:rPr>
-                        <a:t>(</a:t>
-                      </a:r>
-                      <a:r>
-                        <a:rPr lang="zh-TW" altLang="en-US" sz="1800" b="0" i="0" u="none" strike="noStrike" dirty="0" smtClean="0">
-                          <a:solidFill>
-                            <a:srgbClr val="000000"/>
-                          </a:solidFill>
-                          <a:effectLst/>
-                          <a:latin typeface="微軟正黑體" panose="020B0604030504040204" pitchFamily="34" charset="-120"/>
-                          <a:ea typeface="+mn-ea"/>
-                        </a:rPr>
-                        <a:t>重量感應</a:t>
-                      </a:r>
-                      <a:r>
-                        <a:rPr lang="en-US" altLang="zh-TW" sz="1800" b="0" i="0" u="none" strike="noStrike" dirty="0" smtClean="0">
-                          <a:solidFill>
-                            <a:srgbClr val="000000"/>
-                          </a:solidFill>
-                          <a:effectLst/>
-                          <a:latin typeface="微軟正黑體" panose="020B0604030504040204" pitchFamily="34" charset="-120"/>
-                          <a:ea typeface="+mn-ea"/>
-                        </a:rPr>
-                        <a:t>+</a:t>
-                      </a:r>
-                      <a:r>
-                        <a:rPr lang="zh-TW" altLang="en-US" sz="1800" b="0" i="0" u="none" strike="noStrike" dirty="0" smtClean="0">
-                          <a:solidFill>
-                            <a:srgbClr val="000000"/>
-                          </a:solidFill>
-                          <a:effectLst/>
-                          <a:latin typeface="微軟正黑體" panose="020B0604030504040204" pitchFamily="34" charset="-120"/>
-                          <a:ea typeface="+mn-ea"/>
-                        </a:rPr>
-                        <a:t>影像辨識</a:t>
-                      </a:r>
-                      <a:r>
-                        <a:rPr lang="en-US" altLang="zh-TW" sz="1800" b="0" i="0" u="none" strike="noStrike" dirty="0" smtClean="0">
-                          <a:solidFill>
-                            <a:srgbClr val="000000"/>
-                          </a:solidFill>
-                          <a:effectLst/>
-                          <a:latin typeface="微軟正黑體" panose="020B0604030504040204" pitchFamily="34" charset="-120"/>
-                          <a:ea typeface="微軟正黑體" panose="020B0604030504040204" pitchFamily="34" charset="-120"/>
-                        </a:rPr>
-                        <a:t>)</a:t>
+                        <a:t>了就可直接離開</a:t>
                       </a:r>
                       <a:endParaRPr lang="zh-TW" altLang="en-US" sz="1800" b="0" i="0" u="none" strike="noStrike" dirty="0">
                         <a:solidFill>
@@ -7204,7 +7090,7 @@
         </p:blipFill>
         <p:spPr>
           <a:xfrm>
-            <a:off x="6136292" y="4935071"/>
+            <a:off x="5879185" y="4751118"/>
             <a:ext cx="3013932" cy="1922929"/>
           </a:xfrm>
           <a:prstGeom prst="rect">
@@ -7234,7 +7120,7 @@
         </p:blipFill>
         <p:spPr>
           <a:xfrm>
-            <a:off x="2639411" y="4914124"/>
+            <a:off x="2556284" y="4751118"/>
             <a:ext cx="3208024" cy="1934489"/>
           </a:xfrm>
           <a:prstGeom prst="rect">
@@ -7461,16 +7347,10 @@
               <a:t>洗錢防制</a:t>
             </a:r>
             <a:r>
-              <a:rPr lang="zh-TW" altLang="en-US" sz="2000" dirty="0" smtClean="0">
-                <a:latin typeface="+mn-ea"/>
-              </a:rPr>
-              <a:t>報告轉</a:t>
-            </a:r>
-            <a:r>
               <a:rPr lang="zh-TW" altLang="en-US" sz="2000" dirty="0">
                 <a:latin typeface="+mn-ea"/>
               </a:rPr>
-              <a:t>檔</a:t>
+              <a:t>報告的轉檔</a:t>
             </a:r>
             <a:r>
               <a:rPr lang="zh-TW" altLang="en-US" sz="2000" dirty="0" smtClean="0">
@@ -7883,53 +7763,53 @@
         </p:nvSpPr>
         <p:spPr>
           <a:xfrm>
-            <a:off x="563419" y="1321724"/>
-            <a:ext cx="9582078" cy="5309985"/>
+            <a:off x="677334" y="1596045"/>
+            <a:ext cx="8596668" cy="4445318"/>
           </a:xfrm>
         </p:spPr>
         <p:txBody>
           <a:bodyPr>
-            <a:normAutofit/>
+            <a:normAutofit fontScale="92500" lnSpcReduction="20000"/>
           </a:bodyPr>
           <a:lstStyle/>
           <a:p>
             <a:r>
-              <a:rPr lang="zh-TW" altLang="en-US" sz="2000" dirty="0" smtClean="0">
+              <a:rPr lang="zh-TW" altLang="en-US" sz="1900" dirty="0" smtClean="0">
                 <a:latin typeface="+mn-ea"/>
               </a:rPr>
-              <a:t>目前於</a:t>
-            </a:r>
-            <a:r>
-              <a:rPr lang="zh-TW" altLang="en-US" sz="2000" dirty="0">
+              <a:t>目前</a:t>
+            </a:r>
+            <a:r>
+              <a:rPr lang="zh-TW" altLang="en-US" sz="1900" dirty="0">
                 <a:latin typeface="+mn-ea"/>
               </a:rPr>
-              <a:t>現職公司進行大型主機</a:t>
-            </a:r>
-            <a:r>
-              <a:rPr lang="en-US" altLang="zh-TW" sz="2000" dirty="0">
+              <a:t>於現職公司進行大型主機</a:t>
+            </a:r>
+            <a:r>
+              <a:rPr lang="en-US" altLang="zh-TW" sz="1900" dirty="0">
                 <a:latin typeface="+mn-ea"/>
               </a:rPr>
               <a:t>AS400</a:t>
             </a:r>
             <a:r>
-              <a:rPr lang="zh-TW" altLang="en-US" sz="2000" dirty="0">
+              <a:rPr lang="zh-TW" altLang="en-US" sz="1900" dirty="0">
                 <a:latin typeface="+mn-ea"/>
               </a:rPr>
               <a:t>轉換至網頁系統的專案</a:t>
             </a:r>
             <a:r>
-              <a:rPr lang="zh-TW" altLang="en-US" sz="2000" dirty="0" smtClean="0">
+              <a:rPr lang="zh-TW" altLang="en-US" sz="1900" dirty="0" smtClean="0">
                 <a:latin typeface="+mn-ea"/>
               </a:rPr>
               <a:t>。</a:t>
             </a:r>
-            <a:endParaRPr lang="en-US" altLang="zh-TW" sz="2000" dirty="0" smtClean="0">
+            <a:endParaRPr lang="en-US" altLang="zh-TW" sz="1900" dirty="0" smtClean="0">
               <a:latin typeface="+mn-ea"/>
             </a:endParaRPr>
           </a:p>
           <a:p>
             <a:r>
-              <a:rPr lang="zh-TW" altLang="en-US" sz="2000" dirty="0" smtClean="0">
+              <a:rPr lang="zh-TW" altLang="en-US" sz="1900" dirty="0" smtClean="0">
                 <a:solidFill>
                   <a:srgbClr val="FF0000"/>
                 </a:solidFill>
@@ -7938,7 +7818,7 @@
               <a:t>轉換</a:t>
             </a:r>
             <a:r>
-              <a:rPr lang="zh-TW" altLang="en-US" sz="2000" dirty="0">
+              <a:rPr lang="zh-TW" altLang="en-US" sz="1900" dirty="0">
                 <a:solidFill>
                   <a:srgbClr val="FF0000"/>
                 </a:solidFill>
@@ -7962,19 +7842,7 @@
               <a:rPr lang="zh-TW" altLang="en-US" dirty="0">
                 <a:latin typeface="+mn-ea"/>
               </a:rPr>
-              <a:t>老</a:t>
-            </a:r>
-            <a:r>
-              <a:rPr lang="zh-TW" altLang="en-US" dirty="0" smtClean="0">
-                <a:latin typeface="+mn-ea"/>
-              </a:rPr>
-              <a:t>舊，硬體</a:t>
-            </a:r>
-            <a:r>
-              <a:rPr lang="zh-TW" altLang="en-US" dirty="0">
-                <a:latin typeface="+mn-ea"/>
-              </a:rPr>
-              <a:t>已不</a:t>
+              <a:t>老舊硬體已不</a:t>
             </a:r>
             <a:r>
               <a:rPr lang="zh-TW" altLang="en-US" dirty="0" smtClean="0">
@@ -7992,40 +7860,22 @@
               <a:buAutoNum type="arabicPeriod"/>
             </a:pPr>
             <a:r>
+              <a:rPr lang="zh-TW" altLang="en-US" dirty="0">
+                <a:latin typeface="+mn-ea"/>
+              </a:rPr>
+              <a:t>會</a:t>
+            </a:r>
+            <a:r>
+              <a:rPr lang="en-US" altLang="zh-TW" dirty="0" smtClean="0">
+                <a:latin typeface="+mn-ea"/>
+              </a:rPr>
+              <a:t>AS400</a:t>
+            </a:r>
+            <a:r>
               <a:rPr lang="zh-TW" altLang="en-US" dirty="0" smtClean="0">
                 <a:latin typeface="+mn-ea"/>
               </a:rPr>
-              <a:t>會</a:t>
-            </a:r>
-            <a:r>
-              <a:rPr lang="en-US" altLang="zh-TW" dirty="0" smtClean="0">
-                <a:latin typeface="+mn-ea"/>
-              </a:rPr>
-              <a:t>AS400</a:t>
-            </a:r>
-            <a:r>
-              <a:rPr lang="zh-TW" altLang="en-US" dirty="0" smtClean="0">
-                <a:latin typeface="+mn-ea"/>
-              </a:rPr>
-              <a:t>的</a:t>
-            </a:r>
-            <a:r>
-              <a:rPr lang="zh-TW" altLang="en-US" dirty="0" smtClean="0">
-                <a:latin typeface="+mn-ea"/>
-              </a:rPr>
-              <a:t>專業人員</a:t>
-            </a:r>
-            <a:r>
-              <a:rPr lang="zh-TW" altLang="en-US" dirty="0">
-                <a:latin typeface="+mn-ea"/>
-              </a:rPr>
-              <a:t>日益減少</a:t>
-            </a:r>
-            <a:r>
-              <a:rPr lang="zh-TW" altLang="en-US" dirty="0" smtClean="0">
-                <a:latin typeface="+mn-ea"/>
-              </a:rPr>
-              <a:t>。</a:t>
+              <a:t>的專業人員缺少。</a:t>
             </a:r>
             <a:endParaRPr lang="zh-TW" altLang="en-US" dirty="0">
               <a:latin typeface="+mn-ea"/>
@@ -8075,7 +7925,7 @@
           </a:p>
           <a:p>
             <a:r>
-              <a:rPr lang="zh-TW" altLang="en-US" sz="2000" dirty="0">
+              <a:rPr lang="zh-TW" altLang="en-US" sz="1900" dirty="0">
                 <a:solidFill>
                   <a:srgbClr val="FF0000"/>
                 </a:solidFill>
@@ -8113,19 +7963,13 @@
               <a:rPr lang="zh-TW" altLang="en-US" dirty="0">
                 <a:latin typeface="+mn-ea"/>
               </a:rPr>
-              <a:t>業務承辦人員只會</a:t>
+              <a:t>業務承辦人員只會使用</a:t>
             </a:r>
             <a:r>
               <a:rPr lang="zh-TW" altLang="en-US" dirty="0" smtClean="0">
                 <a:latin typeface="+mn-ea"/>
               </a:rPr>
-              <a:t>使用但不</a:t>
-            </a:r>
-            <a:r>
-              <a:rPr lang="zh-TW" altLang="en-US" dirty="0" smtClean="0">
-                <a:latin typeface="+mn-ea"/>
-              </a:rPr>
-              <a:t>懂邏輯。</a:t>
+              <a:t>不懂邏輯。</a:t>
             </a:r>
             <a:endParaRPr lang="zh-TW" altLang="en-US" dirty="0">
               <a:latin typeface="+mn-ea"/>
@@ -8134,7 +7978,7 @@
           <a:p>
             <a:pPr marL="342900" lvl="1" indent="-342900"/>
             <a:r>
-              <a:rPr lang="zh-TW" altLang="en-US" sz="2000" dirty="0" smtClean="0">
+              <a:rPr lang="zh-TW" altLang="en-US" sz="1900" dirty="0" smtClean="0">
                 <a:solidFill>
                   <a:srgbClr val="FF0000"/>
                 </a:solidFill>
@@ -8142,7 +7986,7 @@
               <a:t>現行</a:t>
             </a:r>
             <a:r>
-              <a:rPr lang="zh-TW" altLang="en-US" sz="2000" dirty="0">
+              <a:rPr lang="zh-TW" altLang="en-US" sz="1900" dirty="0">
                 <a:solidFill>
                   <a:srgbClr val="FF0000"/>
                 </a:solidFill>
@@ -8246,7 +8090,7 @@
         </p:blipFill>
         <p:spPr>
           <a:xfrm>
-            <a:off x="5088124" y="3181892"/>
+            <a:off x="4755615" y="2685132"/>
             <a:ext cx="5389882" cy="3449817"/>
           </a:xfrm>
           <a:prstGeom prst="rect">
@@ -8444,7 +8288,7 @@
         </p:blipFill>
         <p:spPr>
           <a:xfrm>
-            <a:off x="3217686" y="3549748"/>
+            <a:off x="1947510" y="3522039"/>
             <a:ext cx="6056316" cy="3200967"/>
           </a:xfrm>
           <a:prstGeom prst="rect">
